--- a/Docs/3.3RNA.pptx
+++ b/Docs/3.3RNA.pptx
@@ -9,8 +9,6 @@
     <p:sldId id="271" r:id="rId3"/>
     <p:sldId id="273" r:id="rId4"/>
     <p:sldId id="275" r:id="rId5"/>
-    <p:sldId id="277" r:id="rId6"/>
-    <p:sldId id="278" r:id="rId7"/>
   </p:sldIdLst>
   <p:sldSz cx="9144000" cy="5143500" type="screen16x9"/>
   <p:notesSz cx="7772400" cy="10058400"/>
@@ -2450,6 +2448,38 @@
               <a:buFont typeface="Arial"/>
               <a:buChar char="–"/>
             </a:pPr>
+            <a:r>
+              <a:rPr lang="es-PE" sz="2800" spc="-1" dirty="0">
+                <a:solidFill>
+                  <a:srgbClr val="000000"/>
+                </a:solidFill>
+                <a:latin typeface="Calibri"/>
+                <a:ea typeface="DejaVu Sans"/>
+              </a:rPr>
+              <a:t>Eliminación de Columnas muy relacionadas al objetivo (Peso y Altura)</a:t>
+            </a:r>
+            <a:endParaRPr lang="es-PE" sz="2800" b="0" strike="noStrike" spc="-1" dirty="0">
+              <a:solidFill>
+                <a:srgbClr val="000000"/>
+              </a:solidFill>
+              <a:latin typeface="Calibri"/>
+              <a:ea typeface="DejaVu Sans"/>
+            </a:endParaRPr>
+          </a:p>
+          <a:p>
+            <a:pPr marL="990720" lvl="1" indent="-455040">
+              <a:lnSpc>
+                <a:spcPct val="100000"/>
+              </a:lnSpc>
+              <a:spcBef>
+                <a:spcPts val="499"/>
+              </a:spcBef>
+              <a:buClr>
+                <a:srgbClr val="000000"/>
+              </a:buClr>
+              <a:buFont typeface="Arial"/>
+              <a:buChar char="–"/>
+            </a:pPr>
             <a:endParaRPr lang="es-PE" sz="2800" b="0" strike="noStrike" spc="-1" dirty="0">
               <a:solidFill>
                 <a:srgbClr val="000000"/>
@@ -3114,7 +3144,7 @@
         </p:blipFill>
         <p:spPr>
           <a:xfrm>
-            <a:off x="4718050" y="2628781"/>
+            <a:off x="4733926" y="2568991"/>
             <a:ext cx="3236024" cy="1200115"/>
           </a:xfrm>
           <a:prstGeom prst="rect">
@@ -3144,7 +3174,7 @@
         </p:blipFill>
         <p:spPr>
           <a:xfrm>
-            <a:off x="4718050" y="3828896"/>
+            <a:off x="4810826" y="3886046"/>
             <a:ext cx="3236024" cy="992160"/>
           </a:xfrm>
           <a:prstGeom prst="rect">
@@ -3152,328 +3182,6 @@
           </a:prstGeom>
         </p:spPr>
       </p:pic>
-    </p:spTree>
-  </p:cSld>
-  <p:clrMapOvr>
-    <a:masterClrMapping/>
-  </p:clrMapOvr>
-</p:sld>
-</file>
-
-<file path=ppt/slides/slide5.xml><?xml version="1.0" encoding="utf-8"?>
-<p:sld xmlns:a="http://schemas.openxmlformats.org/drawingml/2006/main" xmlns:r="http://schemas.openxmlformats.org/officeDocument/2006/relationships" xmlns:p="http://schemas.openxmlformats.org/presentationml/2006/main">
-  <p:cSld>
-    <p:spTree>
-      <p:nvGrpSpPr>
-        <p:cNvPr id="1" name=""/>
-        <p:cNvGrpSpPr/>
-        <p:nvPr/>
-      </p:nvGrpSpPr>
-      <p:grpSpPr>
-        <a:xfrm>
-          <a:off x="0" y="0"/>
-          <a:ext cx="0" cy="0"/>
-          <a:chOff x="0" y="0"/>
-          <a:chExt cx="0" cy="0"/>
-        </a:xfrm>
-      </p:grpSpPr>
-      <p:sp>
-        <p:nvSpPr>
-          <p:cNvPr id="175" name="CustomShape 1"/>
-          <p:cNvSpPr/>
-          <p:nvPr/>
-        </p:nvSpPr>
-        <p:spPr>
-          <a:xfrm>
-            <a:off x="514440" y="644760"/>
-            <a:ext cx="7884720" cy="992160"/>
-          </a:xfrm>
-          <a:prstGeom prst="rect">
-            <a:avLst/>
-          </a:prstGeom>
-          <a:noFill/>
-          <a:ln>
-            <a:noFill/>
-          </a:ln>
-        </p:spPr>
-        <p:style>
-          <a:lnRef idx="0">
-            <a:scrgbClr r="0" g="0" b="0"/>
-          </a:lnRef>
-          <a:fillRef idx="0">
-            <a:scrgbClr r="0" g="0" b="0"/>
-          </a:fillRef>
-          <a:effectRef idx="0">
-            <a:scrgbClr r="0" g="0" b="0"/>
-          </a:effectRef>
-          <a:fontRef idx="minor"/>
-        </p:style>
-        <p:txBody>
-          <a:bodyPr lIns="90000" tIns="91440" rIns="90000" bIns="91440" anchor="ctr">
-            <a:noAutofit/>
-          </a:bodyPr>
-          <a:lstStyle/>
-          <a:p>
-            <a:pPr>
-              <a:lnSpc>
-                <a:spcPct val="100000"/>
-              </a:lnSpc>
-              <a:tabLst>
-                <a:tab pos="0" algn="l"/>
-              </a:tabLst>
-            </a:pPr>
-            <a:r>
-              <a:rPr lang="es" sz="4400" b="0" strike="noStrike" spc="-1">
-                <a:solidFill>
-                  <a:srgbClr val="000000"/>
-                </a:solidFill>
-                <a:latin typeface="Calibri"/>
-                <a:ea typeface="DejaVu Sans"/>
-              </a:rPr>
-              <a:t>Conclusiones</a:t>
-            </a:r>
-            <a:endParaRPr lang="en-US" sz="4400" b="0" strike="noStrike" spc="-1">
-              <a:latin typeface="Arial"/>
-            </a:endParaRPr>
-          </a:p>
-        </p:txBody>
-      </p:sp>
-      <p:sp>
-        <p:nvSpPr>
-          <p:cNvPr id="176" name="CustomShape 2"/>
-          <p:cNvSpPr/>
-          <p:nvPr/>
-        </p:nvSpPr>
-        <p:spPr>
-          <a:xfrm>
-            <a:off x="514440" y="1712520"/>
-            <a:ext cx="7884720" cy="3261240"/>
-          </a:xfrm>
-          <a:prstGeom prst="rect">
-            <a:avLst/>
-          </a:prstGeom>
-          <a:noFill/>
-          <a:ln>
-            <a:noFill/>
-          </a:ln>
-        </p:spPr>
-        <p:style>
-          <a:lnRef idx="0">
-            <a:scrgbClr r="0" g="0" b="0"/>
-          </a:lnRef>
-          <a:fillRef idx="0">
-            <a:scrgbClr r="0" g="0" b="0"/>
-          </a:fillRef>
-          <a:effectRef idx="0">
-            <a:scrgbClr r="0" g="0" b="0"/>
-          </a:effectRef>
-          <a:fontRef idx="minor"/>
-        </p:style>
-        <p:txBody>
-          <a:bodyPr lIns="90000" tIns="91440" rIns="90000" bIns="91440">
-            <a:noAutofit/>
-          </a:bodyPr>
-          <a:lstStyle/>
-          <a:p>
-            <a:pPr marL="457200" indent="-455040">
-              <a:lnSpc>
-                <a:spcPct val="100000"/>
-              </a:lnSpc>
-              <a:spcBef>
-                <a:spcPts val="1001"/>
-              </a:spcBef>
-              <a:buClr>
-                <a:srgbClr val="000000"/>
-              </a:buClr>
-              <a:buFont typeface="Arial"/>
-              <a:buAutoNum type="arabicPeriod"/>
-            </a:pPr>
-            <a:r>
-              <a:rPr lang="es-ES" sz="2000" b="0" strike="noStrike" spc="-1">
-                <a:solidFill>
-                  <a:srgbClr val="000000"/>
-                </a:solidFill>
-                <a:latin typeface="Calibri"/>
-                <a:ea typeface="DejaVu Sans"/>
-              </a:rPr>
-              <a:t>Se logró superar llegar al 95% de precisión </a:t>
-            </a:r>
-            <a:endParaRPr lang="en-US" sz="2000" b="0" strike="noStrike" spc="-1">
-              <a:latin typeface="Arial"/>
-            </a:endParaRPr>
-          </a:p>
-          <a:p>
-            <a:pPr marL="457200" indent="-455040">
-              <a:lnSpc>
-                <a:spcPct val="100000"/>
-              </a:lnSpc>
-              <a:spcBef>
-                <a:spcPts val="1001"/>
-              </a:spcBef>
-              <a:buClr>
-                <a:srgbClr val="000000"/>
-              </a:buClr>
-              <a:buFont typeface="Arial"/>
-              <a:buAutoNum type="arabicPeriod"/>
-            </a:pPr>
-            <a:r>
-              <a:rPr lang="es-ES" sz="2000" b="0" strike="noStrike" spc="-1">
-                <a:solidFill>
-                  <a:srgbClr val="000000"/>
-                </a:solidFill>
-                <a:latin typeface="Calibri"/>
-                <a:ea typeface="DejaVu Sans"/>
-              </a:rPr>
-              <a:t>Se demostró que un modelo con Random Forest tiene un alto grado de overfitting en contraposición a una red neuronal</a:t>
-            </a:r>
-            <a:endParaRPr lang="en-US" sz="2000" b="0" strike="noStrike" spc="-1">
-              <a:latin typeface="Arial"/>
-            </a:endParaRPr>
-          </a:p>
-          <a:p>
-            <a:pPr marL="457200" indent="-455040">
-              <a:lnSpc>
-                <a:spcPct val="100000"/>
-              </a:lnSpc>
-              <a:spcBef>
-                <a:spcPts val="1001"/>
-              </a:spcBef>
-              <a:buClr>
-                <a:srgbClr val="000000"/>
-              </a:buClr>
-              <a:buFont typeface="Arial"/>
-              <a:buAutoNum type="arabicPeriod"/>
-            </a:pPr>
-            <a:r>
-              <a:rPr lang="es-ES" sz="2000" b="0" strike="noStrike" spc="-1">
-                <a:solidFill>
-                  <a:srgbClr val="000000"/>
-                </a:solidFill>
-                <a:latin typeface="Calibri"/>
-                <a:ea typeface="DejaVu Sans"/>
-              </a:rPr>
-              <a:t>La importancia de procesar la data en el modelo de predicción</a:t>
-            </a:r>
-            <a:endParaRPr lang="en-US" sz="2000" b="0" strike="noStrike" spc="-1">
-              <a:latin typeface="Arial"/>
-            </a:endParaRPr>
-          </a:p>
-          <a:p>
-            <a:pPr marL="457200" indent="-455040">
-              <a:lnSpc>
-                <a:spcPct val="100000"/>
-              </a:lnSpc>
-              <a:spcBef>
-                <a:spcPts val="1001"/>
-              </a:spcBef>
-              <a:buClr>
-                <a:srgbClr val="000000"/>
-              </a:buClr>
-              <a:buFont typeface="Arial"/>
-              <a:buAutoNum type="arabicPeriod"/>
-            </a:pPr>
-            <a:r>
-              <a:rPr lang="es-ES" sz="2000" b="0" strike="noStrike" spc="-1">
-                <a:solidFill>
-                  <a:srgbClr val="000000"/>
-                </a:solidFill>
-                <a:latin typeface="Calibri"/>
-                <a:ea typeface="DejaVu Sans"/>
-              </a:rPr>
-              <a:t>Escoger los valores correctos de hiper parámetros de un modelo de red Neuronal infieren en la precisión de la predicción.</a:t>
-            </a:r>
-            <a:endParaRPr lang="en-US" sz="2000" b="0" strike="noStrike" spc="-1">
-              <a:latin typeface="Arial"/>
-            </a:endParaRPr>
-          </a:p>
-        </p:txBody>
-      </p:sp>
-    </p:spTree>
-  </p:cSld>
-  <p:clrMapOvr>
-    <a:masterClrMapping/>
-  </p:clrMapOvr>
-</p:sld>
-</file>
-
-<file path=ppt/slides/slide6.xml><?xml version="1.0" encoding="utf-8"?>
-<p:sld xmlns:a="http://schemas.openxmlformats.org/drawingml/2006/main" xmlns:r="http://schemas.openxmlformats.org/officeDocument/2006/relationships" xmlns:p="http://schemas.openxmlformats.org/presentationml/2006/main">
-  <p:cSld>
-    <p:spTree>
-      <p:nvGrpSpPr>
-        <p:cNvPr id="1" name=""/>
-        <p:cNvGrpSpPr/>
-        <p:nvPr/>
-      </p:nvGrpSpPr>
-      <p:grpSpPr>
-        <a:xfrm>
-          <a:off x="0" y="0"/>
-          <a:ext cx="0" cy="0"/>
-          <a:chOff x="0" y="0"/>
-          <a:chExt cx="0" cy="0"/>
-        </a:xfrm>
-      </p:grpSpPr>
-      <p:sp>
-        <p:nvSpPr>
-          <p:cNvPr id="177" name="CustomShape 1"/>
-          <p:cNvSpPr/>
-          <p:nvPr/>
-        </p:nvSpPr>
-        <p:spPr>
-          <a:xfrm>
-            <a:off x="486360" y="2347560"/>
-            <a:ext cx="7884720" cy="992160"/>
-          </a:xfrm>
-          <a:prstGeom prst="rect">
-            <a:avLst/>
-          </a:prstGeom>
-          <a:noFill/>
-          <a:ln>
-            <a:noFill/>
-          </a:ln>
-        </p:spPr>
-        <p:style>
-          <a:lnRef idx="0">
-            <a:scrgbClr r="0" g="0" b="0"/>
-          </a:lnRef>
-          <a:fillRef idx="0">
-            <a:scrgbClr r="0" g="0" b="0"/>
-          </a:fillRef>
-          <a:effectRef idx="0">
-            <a:scrgbClr r="0" g="0" b="0"/>
-          </a:effectRef>
-          <a:fontRef idx="minor"/>
-        </p:style>
-        <p:txBody>
-          <a:bodyPr lIns="90000" tIns="91440" rIns="90000" bIns="91440" anchor="ctr">
-            <a:noAutofit/>
-          </a:bodyPr>
-          <a:lstStyle/>
-          <a:p>
-            <a:pPr algn="ctr">
-              <a:lnSpc>
-                <a:spcPct val="100000"/>
-              </a:lnSpc>
-              <a:tabLst>
-                <a:tab pos="0" algn="l"/>
-              </a:tabLst>
-            </a:pPr>
-            <a:r>
-              <a:rPr lang="es" sz="7200" b="0" strike="noStrike" spc="-1">
-                <a:solidFill>
-                  <a:srgbClr val="000000"/>
-                </a:solidFill>
-                <a:latin typeface="Calibri"/>
-                <a:ea typeface="DejaVu Sans"/>
-              </a:rPr>
-              <a:t>Gracias!</a:t>
-            </a:r>
-            <a:endParaRPr lang="en-US" sz="7200" b="0" strike="noStrike" spc="-1">
-              <a:latin typeface="Arial"/>
-            </a:endParaRPr>
-          </a:p>
-        </p:txBody>
-      </p:sp>
     </p:spTree>
   </p:cSld>
   <p:clrMapOvr>

--- a/Docs/3.3RNA.pptx
+++ b/Docs/3.3RNA.pptx
@@ -3114,7 +3114,7 @@
         </p:blipFill>
         <p:spPr>
           <a:xfrm>
-            <a:off x="4810826" y="1311628"/>
+            <a:off x="575376" y="1516284"/>
             <a:ext cx="3082224" cy="1140423"/>
           </a:xfrm>
           <a:prstGeom prst="rect">
@@ -3144,7 +3144,7 @@
         </p:blipFill>
         <p:spPr>
           <a:xfrm>
-            <a:off x="4733926" y="2568991"/>
+            <a:off x="575376" y="3229391"/>
             <a:ext cx="3236024" cy="1200115"/>
           </a:xfrm>
           <a:prstGeom prst="rect">
@@ -3174,7 +3174,7 @@
         </p:blipFill>
         <p:spPr>
           <a:xfrm>
-            <a:off x="4810826" y="3886046"/>
+            <a:off x="4715576" y="1480814"/>
             <a:ext cx="3236024" cy="992160"/>
           </a:xfrm>
           <a:prstGeom prst="rect">
@@ -3182,6 +3182,308 @@
           </a:prstGeom>
         </p:spPr>
       </p:pic>
+      <p:grpSp>
+        <p:nvGrpSpPr>
+          <p:cNvPr id="17" name="Grupo 16">
+            <a:extLst>
+              <a:ext uri="{FF2B5EF4-FFF2-40B4-BE49-F238E27FC236}">
+                <a16:creationId xmlns:a16="http://schemas.microsoft.com/office/drawing/2014/main" id="{E18DA68D-1A7B-9EE0-3FE6-92B540481354}"/>
+              </a:ext>
+            </a:extLst>
+          </p:cNvPr>
+          <p:cNvGrpSpPr/>
+          <p:nvPr/>
+        </p:nvGrpSpPr>
+        <p:grpSpPr>
+          <a:xfrm>
+            <a:off x="4198750" y="2571750"/>
+            <a:ext cx="2259268" cy="1528113"/>
+            <a:chOff x="4198750" y="2571750"/>
+            <a:chExt cx="2259268" cy="1528113"/>
+          </a:xfrm>
+        </p:grpSpPr>
+        <p:pic>
+          <p:nvPicPr>
+            <p:cNvPr id="9" name="Imagen 8">
+              <a:extLst>
+                <a:ext uri="{FF2B5EF4-FFF2-40B4-BE49-F238E27FC236}">
+                  <a16:creationId xmlns:a16="http://schemas.microsoft.com/office/drawing/2014/main" id="{CA74E4E8-F5DC-7FAA-CC95-DE0372544DC9}"/>
+                </a:ext>
+              </a:extLst>
+            </p:cNvPr>
+            <p:cNvPicPr>
+              <a:picLocks noChangeAspect="1"/>
+            </p:cNvPicPr>
+            <p:nvPr/>
+          </p:nvPicPr>
+          <p:blipFill>
+            <a:blip r:embed="rId5"/>
+            <a:stretch>
+              <a:fillRect/>
+            </a:stretch>
+          </p:blipFill>
+          <p:spPr>
+            <a:xfrm>
+              <a:off x="4198750" y="2571750"/>
+              <a:ext cx="2259268" cy="1528113"/>
+            </a:xfrm>
+            <a:prstGeom prst="rect">
+              <a:avLst/>
+            </a:prstGeom>
+          </p:spPr>
+        </p:pic>
+        <p:sp>
+          <p:nvSpPr>
+            <p:cNvPr id="12" name="CuadroTexto 11">
+              <a:extLst>
+                <a:ext uri="{FF2B5EF4-FFF2-40B4-BE49-F238E27FC236}">
+                  <a16:creationId xmlns:a16="http://schemas.microsoft.com/office/drawing/2014/main" id="{6EF75E6F-A47B-8158-DD65-2DE80CA34D0B}"/>
+                </a:ext>
+              </a:extLst>
+            </p:cNvPr>
+            <p:cNvSpPr txBox="1"/>
+            <p:nvPr/>
+          </p:nvSpPr>
+          <p:spPr>
+            <a:xfrm>
+              <a:off x="5390881" y="2749192"/>
+              <a:ext cx="762270" cy="253916"/>
+            </a:xfrm>
+            <a:prstGeom prst="rect">
+              <a:avLst/>
+            </a:prstGeom>
+            <a:noFill/>
+          </p:spPr>
+          <p:txBody>
+            <a:bodyPr wrap="square" rtlCol="0">
+              <a:spAutoFit/>
+            </a:bodyPr>
+            <a:lstStyle/>
+            <a:p>
+              <a:r>
+                <a:rPr lang="es-PE" sz="1050" dirty="0">
+                  <a:solidFill>
+                    <a:schemeClr val="accent1">
+                      <a:lumMod val="75000"/>
+                    </a:schemeClr>
+                  </a:solidFill>
+                </a:rPr>
+                <a:t>Test 20%</a:t>
+              </a:r>
+            </a:p>
+          </p:txBody>
+        </p:sp>
+      </p:grpSp>
+      <p:grpSp>
+        <p:nvGrpSpPr>
+          <p:cNvPr id="18" name="Grupo 17">
+            <a:extLst>
+              <a:ext uri="{FF2B5EF4-FFF2-40B4-BE49-F238E27FC236}">
+                <a16:creationId xmlns:a16="http://schemas.microsoft.com/office/drawing/2014/main" id="{2FA6976F-DF9A-3B36-4067-9768FCC3A0DA}"/>
+              </a:ext>
+            </a:extLst>
+          </p:cNvPr>
+          <p:cNvGrpSpPr/>
+          <p:nvPr/>
+        </p:nvGrpSpPr>
+        <p:grpSpPr>
+          <a:xfrm>
+            <a:off x="6458018" y="2560431"/>
+            <a:ext cx="2342252" cy="1655969"/>
+            <a:chOff x="6458018" y="2560431"/>
+            <a:chExt cx="2342252" cy="1655969"/>
+          </a:xfrm>
+        </p:grpSpPr>
+        <p:pic>
+          <p:nvPicPr>
+            <p:cNvPr id="11" name="Imagen 10">
+              <a:extLst>
+                <a:ext uri="{FF2B5EF4-FFF2-40B4-BE49-F238E27FC236}">
+                  <a16:creationId xmlns:a16="http://schemas.microsoft.com/office/drawing/2014/main" id="{F754DD05-A532-85B7-1953-AC3581D77D7D}"/>
+                </a:ext>
+              </a:extLst>
+            </p:cNvPr>
+            <p:cNvPicPr>
+              <a:picLocks noChangeAspect="1"/>
+            </p:cNvPicPr>
+            <p:nvPr/>
+          </p:nvPicPr>
+          <p:blipFill>
+            <a:blip r:embed="rId6"/>
+            <a:stretch>
+              <a:fillRect/>
+            </a:stretch>
+          </p:blipFill>
+          <p:spPr>
+            <a:xfrm>
+              <a:off x="6458018" y="2560431"/>
+              <a:ext cx="2342252" cy="1655969"/>
+            </a:xfrm>
+            <a:prstGeom prst="rect">
+              <a:avLst/>
+            </a:prstGeom>
+          </p:spPr>
+        </p:pic>
+        <p:sp>
+          <p:nvSpPr>
+            <p:cNvPr id="16" name="CuadroTexto 15">
+              <a:extLst>
+                <a:ext uri="{FF2B5EF4-FFF2-40B4-BE49-F238E27FC236}">
+                  <a16:creationId xmlns:a16="http://schemas.microsoft.com/office/drawing/2014/main" id="{A14EF584-DECA-DF13-D0D5-E71D02245A0D}"/>
+                </a:ext>
+              </a:extLst>
+            </p:cNvPr>
+            <p:cNvSpPr txBox="1"/>
+            <p:nvPr/>
+          </p:nvSpPr>
+          <p:spPr>
+            <a:xfrm>
+              <a:off x="7629144" y="2749192"/>
+              <a:ext cx="1067628" cy="253916"/>
+            </a:xfrm>
+            <a:prstGeom prst="rect">
+              <a:avLst/>
+            </a:prstGeom>
+            <a:noFill/>
+          </p:spPr>
+          <p:txBody>
+            <a:bodyPr wrap="square" rtlCol="0">
+              <a:spAutoFit/>
+            </a:bodyPr>
+            <a:lstStyle/>
+            <a:p>
+              <a:r>
+                <a:rPr lang="es-PE" sz="1050" dirty="0">
+                  <a:solidFill>
+                    <a:schemeClr val="accent1">
+                      <a:lumMod val="75000"/>
+                    </a:schemeClr>
+                  </a:solidFill>
+                </a:rPr>
+                <a:t>Encuesta(498)</a:t>
+              </a:r>
+            </a:p>
+          </p:txBody>
+        </p:sp>
+      </p:grpSp>
+      <p:cxnSp>
+        <p:nvCxnSpPr>
+          <p:cNvPr id="14" name="Conector recto 13">
+            <a:extLst>
+              <a:ext uri="{FF2B5EF4-FFF2-40B4-BE49-F238E27FC236}">
+                <a16:creationId xmlns:a16="http://schemas.microsoft.com/office/drawing/2014/main" id="{8826D02B-93B9-A40F-EBD6-EBFC99A1D35F}"/>
+              </a:ext>
+            </a:extLst>
+          </p:cNvPr>
+          <p:cNvCxnSpPr/>
+          <p:nvPr/>
+        </p:nvCxnSpPr>
+        <p:spPr>
+          <a:xfrm>
+            <a:off x="4044950" y="1579590"/>
+            <a:ext cx="0" cy="2743230"/>
+          </a:xfrm>
+          <a:prstGeom prst="line">
+            <a:avLst/>
+          </a:prstGeom>
+        </p:spPr>
+        <p:style>
+          <a:lnRef idx="1">
+            <a:schemeClr val="dk1"/>
+          </a:lnRef>
+          <a:fillRef idx="0">
+            <a:schemeClr val="dk1"/>
+          </a:fillRef>
+          <a:effectRef idx="0">
+            <a:schemeClr val="dk1"/>
+          </a:effectRef>
+          <a:fontRef idx="minor">
+            <a:schemeClr val="tx1"/>
+          </a:fontRef>
+        </p:style>
+      </p:cxnSp>
+      <p:sp>
+        <p:nvSpPr>
+          <p:cNvPr id="15" name="CuadroTexto 14">
+            <a:extLst>
+              <a:ext uri="{FF2B5EF4-FFF2-40B4-BE49-F238E27FC236}">
+                <a16:creationId xmlns:a16="http://schemas.microsoft.com/office/drawing/2014/main" id="{9E2579C4-97F5-EEBC-AFD9-90318B1F8C4A}"/>
+              </a:ext>
+            </a:extLst>
+          </p:cNvPr>
+          <p:cNvSpPr txBox="1"/>
+          <p:nvPr/>
+        </p:nvSpPr>
+        <p:spPr>
+          <a:xfrm>
+            <a:off x="4260884" y="4176614"/>
+            <a:ext cx="1963573" cy="646331"/>
+          </a:xfrm>
+          <a:prstGeom prst="rect">
+            <a:avLst/>
+          </a:prstGeom>
+          <a:noFill/>
+        </p:spPr>
+        <p:txBody>
+          <a:bodyPr wrap="square" rtlCol="0">
+            <a:spAutoFit/>
+          </a:bodyPr>
+          <a:lstStyle/>
+          <a:p>
+            <a:r>
+              <a:rPr lang="es-PE" dirty="0">
+                <a:solidFill>
+                  <a:schemeClr val="accent6">
+                    <a:lumMod val="75000"/>
+                  </a:schemeClr>
+                </a:solidFill>
+              </a:rPr>
+              <a:t>Modelo Indeciso Aceptable</a:t>
+            </a:r>
+          </a:p>
+        </p:txBody>
+      </p:sp>
+      <p:sp>
+        <p:nvSpPr>
+          <p:cNvPr id="20" name="CuadroTexto 19">
+            <a:extLst>
+              <a:ext uri="{FF2B5EF4-FFF2-40B4-BE49-F238E27FC236}">
+                <a16:creationId xmlns:a16="http://schemas.microsoft.com/office/drawing/2014/main" id="{913ACD01-8E83-2B03-F5D5-8D631E9AF5C3}"/>
+              </a:ext>
+            </a:extLst>
+          </p:cNvPr>
+          <p:cNvSpPr txBox="1"/>
+          <p:nvPr/>
+        </p:nvSpPr>
+        <p:spPr>
+          <a:xfrm>
+            <a:off x="6458018" y="4244840"/>
+            <a:ext cx="2406648" cy="646331"/>
+          </a:xfrm>
+          <a:prstGeom prst="rect">
+            <a:avLst/>
+          </a:prstGeom>
+          <a:noFill/>
+        </p:spPr>
+        <p:txBody>
+          <a:bodyPr wrap="square" rtlCol="0">
+            <a:spAutoFit/>
+          </a:bodyPr>
+          <a:lstStyle/>
+          <a:p>
+            <a:r>
+              <a:rPr lang="es-PE" dirty="0">
+                <a:solidFill>
+                  <a:schemeClr val="accent6">
+                    <a:lumMod val="75000"/>
+                  </a:schemeClr>
+                </a:solidFill>
+              </a:rPr>
+              <a:t>Modelo Totalmente Indeciso</a:t>
+            </a:r>
+          </a:p>
+        </p:txBody>
+      </p:sp>
     </p:spTree>
   </p:cSld>
   <p:clrMapOvr>
